--- a/slide/Woo_GBE3064_Review_L02-09.pptx
+++ b/slide/Woo_GBE3064_Review_L02-09.pptx
@@ -5,11 +5,12 @@
     <p:sldMasterId id="2147483648" r:id="rId1"/>
   </p:sldMasterIdLst>
   <p:notesMasterIdLst>
-    <p:notesMasterId r:id="rId4"/>
+    <p:notesMasterId r:id="rId5"/>
   </p:notesMasterIdLst>
   <p:sldIdLst>
     <p:sldId id="256" r:id="rId2"/>
     <p:sldId id="275" r:id="rId3"/>
+    <p:sldId id="276" r:id="rId4"/>
   </p:sldIdLst>
   <p:sldSz cx="12192000" cy="6858000"/>
   <p:notesSz cx="6858000" cy="9144000"/>
@@ -624,6 +625,90 @@
     <p:extLst>
       <p:ext uri="{BB962C8B-B14F-4D97-AF65-F5344CB8AC3E}">
         <p14:creationId xmlns:p14="http://schemas.microsoft.com/office/powerpoint/2010/main" val="2595326876"/>
+      </p:ext>
+    </p:extLst>
+  </p:cSld>
+  <p:clrMapOvr>
+    <a:masterClrMapping/>
+  </p:clrMapOvr>
+</p:notes>
+</file>
+
+<file path=ppt/notesSlides/notesSlide3.xml><?xml version="1.0" encoding="utf-8"?>
+<p:notes xmlns:a="http://schemas.openxmlformats.org/drawingml/2006/main" xmlns:r="http://schemas.openxmlformats.org/officeDocument/2006/relationships" xmlns:p="http://schemas.openxmlformats.org/presentationml/2006/main">
+  <p:cSld>
+    <p:spTree>
+      <p:nvGrpSpPr>
+        <p:cNvPr id="1" name=""/>
+        <p:cNvGrpSpPr/>
+        <p:nvPr/>
+      </p:nvGrpSpPr>
+      <p:grpSpPr>
+        <a:xfrm>
+          <a:off x="0" y="0"/>
+          <a:ext cx="0" cy="0"/>
+          <a:chOff x="0" y="0"/>
+          <a:chExt cx="0" cy="0"/>
+        </a:xfrm>
+      </p:grpSpPr>
+      <p:sp>
+        <p:nvSpPr>
+          <p:cNvPr id="2" name="슬라이드 이미지 개체 틀 1"/>
+          <p:cNvSpPr>
+            <a:spLocks noGrp="1" noRot="1" noChangeAspect="1"/>
+          </p:cNvSpPr>
+          <p:nvPr>
+            <p:ph type="sldImg"/>
+          </p:nvPr>
+        </p:nvSpPr>
+        <p:spPr/>
+      </p:sp>
+      <p:sp>
+        <p:nvSpPr>
+          <p:cNvPr id="3" name="슬라이드 노트 개체 틀 2"/>
+          <p:cNvSpPr>
+            <a:spLocks noGrp="1"/>
+          </p:cNvSpPr>
+          <p:nvPr>
+            <p:ph type="body" idx="1"/>
+          </p:nvPr>
+        </p:nvSpPr>
+        <p:spPr/>
+        <p:txBody>
+          <a:bodyPr/>
+          <a:lstStyle/>
+          <a:p>
+            <a:endParaRPr kumimoji="1" lang="ko-KR" altLang="en-US"/>
+          </a:p>
+        </p:txBody>
+      </p:sp>
+      <p:sp>
+        <p:nvSpPr>
+          <p:cNvPr id="4" name="슬라이드 번호 개체 틀 3"/>
+          <p:cNvSpPr>
+            <a:spLocks noGrp="1"/>
+          </p:cNvSpPr>
+          <p:nvPr>
+            <p:ph type="sldNum" sz="quarter" idx="5"/>
+          </p:nvPr>
+        </p:nvSpPr>
+        <p:spPr/>
+        <p:txBody>
+          <a:bodyPr/>
+          <a:lstStyle/>
+          <a:p>
+            <a:fld id="{0783281F-892B-614E-B792-481EB2F7C5B7}" type="slidenum">
+              <a:rPr kumimoji="1" lang="ko-KR" altLang="en-US" smtClean="0"/>
+              <a:t>3</a:t>
+            </a:fld>
+            <a:endParaRPr kumimoji="1" lang="ko-KR" altLang="en-US"/>
+          </a:p>
+        </p:txBody>
+      </p:sp>
+    </p:spTree>
+    <p:extLst>
+      <p:ext uri="{BB962C8B-B14F-4D97-AF65-F5344CB8AC3E}">
+        <p14:creationId xmlns:p14="http://schemas.microsoft.com/office/powerpoint/2010/main" val="2347374299"/>
       </p:ext>
     </p:extLst>
   </p:cSld>
@@ -4124,6 +4209,320 @@
       </p:transition>
     </mc:Choice>
     <mc:Fallback xmlns="">
+      <p:transition spd="med">
+        <p:fade/>
+      </p:transition>
+    </mc:Fallback>
+  </mc:AlternateContent>
+</p:sld>
+</file>
+
+<file path=ppt/slides/slide3.xml><?xml version="1.0" encoding="utf-8"?>
+<p:sld xmlns:a="http://schemas.openxmlformats.org/drawingml/2006/main" xmlns:r="http://schemas.openxmlformats.org/officeDocument/2006/relationships" xmlns:p="http://schemas.openxmlformats.org/presentationml/2006/main">
+  <p:cSld>
+    <p:spTree>
+      <p:nvGrpSpPr>
+        <p:cNvPr id="1" name=""/>
+        <p:cNvGrpSpPr/>
+        <p:nvPr/>
+      </p:nvGrpSpPr>
+      <p:grpSpPr>
+        <a:xfrm>
+          <a:off x="0" y="0"/>
+          <a:ext cx="0" cy="0"/>
+          <a:chOff x="0" y="0"/>
+          <a:chExt cx="0" cy="0"/>
+        </a:xfrm>
+      </p:grpSpPr>
+      <p:grpSp>
+        <p:nvGrpSpPr>
+          <p:cNvPr id="8" name="그룹 7"/>
+          <p:cNvGrpSpPr/>
+          <p:nvPr/>
+        </p:nvGrpSpPr>
+        <p:grpSpPr>
+          <a:xfrm>
+            <a:off x="10422294" y="6186196"/>
+            <a:ext cx="1661681" cy="671804"/>
+            <a:chOff x="18662" y="6209254"/>
+            <a:chExt cx="1661681" cy="671804"/>
+          </a:xfrm>
+        </p:grpSpPr>
+        <p:pic>
+          <p:nvPicPr>
+            <p:cNvPr id="5" name="그림 4"/>
+            <p:cNvPicPr>
+              <a:picLocks noChangeAspect="1"/>
+            </p:cNvPicPr>
+            <p:nvPr/>
+          </p:nvPicPr>
+          <p:blipFill>
+            <a:blip r:embed="rId3">
+              <a:extLst>
+                <a:ext uri="{28A0092B-C50C-407E-A947-70E740481C1C}">
+                  <a14:useLocalDpi xmlns:a14="http://schemas.microsoft.com/office/drawing/2010/main" val="0"/>
+                </a:ext>
+              </a:extLst>
+            </a:blip>
+            <a:stretch>
+              <a:fillRect/>
+            </a:stretch>
+          </p:blipFill>
+          <p:spPr>
+            <a:xfrm>
+              <a:off x="18662" y="6209254"/>
+              <a:ext cx="671804" cy="671804"/>
+            </a:xfrm>
+            <a:prstGeom prst="rect">
+              <a:avLst/>
+            </a:prstGeom>
+          </p:spPr>
+        </p:pic>
+        <p:pic>
+          <p:nvPicPr>
+            <p:cNvPr id="6" name="그림 5"/>
+            <p:cNvPicPr>
+              <a:picLocks noChangeAspect="1"/>
+            </p:cNvPicPr>
+            <p:nvPr/>
+          </p:nvPicPr>
+          <p:blipFill>
+            <a:blip r:embed="rId4"/>
+            <a:stretch>
+              <a:fillRect/>
+            </a:stretch>
+          </p:blipFill>
+          <p:spPr>
+            <a:xfrm>
+              <a:off x="625149" y="6262887"/>
+              <a:ext cx="597215" cy="517044"/>
+            </a:xfrm>
+            <a:prstGeom prst="rect">
+              <a:avLst/>
+            </a:prstGeom>
+          </p:spPr>
+        </p:pic>
+        <p:pic>
+          <p:nvPicPr>
+            <p:cNvPr id="7" name="그림 6"/>
+            <p:cNvPicPr>
+              <a:picLocks noChangeAspect="1"/>
+            </p:cNvPicPr>
+            <p:nvPr/>
+          </p:nvPicPr>
+          <p:blipFill>
+            <a:blip r:embed="rId5">
+              <a:extLst>
+                <a:ext uri="{28A0092B-C50C-407E-A947-70E740481C1C}">
+                  <a14:useLocalDpi xmlns:a14="http://schemas.microsoft.com/office/drawing/2010/main" val="0"/>
+                </a:ext>
+              </a:extLst>
+            </a:blip>
+            <a:stretch>
+              <a:fillRect/>
+            </a:stretch>
+          </p:blipFill>
+          <p:spPr>
+            <a:xfrm>
+              <a:off x="1241804" y="6322730"/>
+              <a:ext cx="438539" cy="438539"/>
+            </a:xfrm>
+            <a:prstGeom prst="rect">
+              <a:avLst/>
+            </a:prstGeom>
+          </p:spPr>
+        </p:pic>
+      </p:grpSp>
+      <p:sp>
+        <p:nvSpPr>
+          <p:cNvPr id="9" name="직사각형 8"/>
+          <p:cNvSpPr/>
+          <p:nvPr/>
+        </p:nvSpPr>
+        <p:spPr>
+          <a:xfrm>
+            <a:off x="0" y="0"/>
+            <a:ext cx="12192000" cy="102769"/>
+          </a:xfrm>
+          <a:prstGeom prst="rect">
+            <a:avLst/>
+          </a:prstGeom>
+          <a:solidFill>
+            <a:schemeClr val="accent6">
+              <a:lumMod val="60000"/>
+              <a:lumOff val="40000"/>
+            </a:schemeClr>
+          </a:solidFill>
+          <a:ln>
+            <a:noFill/>
+          </a:ln>
+        </p:spPr>
+        <p:style>
+          <a:lnRef idx="2">
+            <a:schemeClr val="accent1">
+              <a:shade val="50000"/>
+            </a:schemeClr>
+          </a:lnRef>
+          <a:fillRef idx="1">
+            <a:schemeClr val="accent1"/>
+          </a:fillRef>
+          <a:effectRef idx="0">
+            <a:schemeClr val="accent1"/>
+          </a:effectRef>
+          <a:fontRef idx="minor">
+            <a:schemeClr val="lt1"/>
+          </a:fontRef>
+        </p:style>
+        <p:txBody>
+          <a:bodyPr rtlCol="0" anchor="ctr"/>
+          <a:lstStyle/>
+          <a:p>
+            <a:pPr algn="ctr"/>
+            <a:endParaRPr kumimoji="1" lang="ko-KR" altLang="en-US" dirty="0">
+              <a:latin typeface="PT Sans Narrow" charset="-52"/>
+              <a:ea typeface="PT Sans Narrow" charset="-52"/>
+              <a:cs typeface="PT Sans Narrow" charset="-52"/>
+            </a:endParaRPr>
+          </a:p>
+        </p:txBody>
+      </p:sp>
+      <p:sp>
+        <p:nvSpPr>
+          <p:cNvPr id="11" name="직사각형 10"/>
+          <p:cNvSpPr/>
+          <p:nvPr/>
+        </p:nvSpPr>
+        <p:spPr>
+          <a:xfrm>
+            <a:off x="69202" y="6518941"/>
+            <a:ext cx="4169731" cy="261610"/>
+          </a:xfrm>
+          <a:prstGeom prst="rect">
+            <a:avLst/>
+          </a:prstGeom>
+        </p:spPr>
+        <p:txBody>
+          <a:bodyPr wrap="none">
+            <a:spAutoFit/>
+          </a:bodyPr>
+          <a:lstStyle/>
+          <a:p>
+            <a:r>
+              <a:rPr lang="en-US" altLang="ko-KR" sz="1100" dirty="0">
+                <a:latin typeface="Seravek Light" charset="0"/>
+                <a:ea typeface="Seravek Light" charset="0"/>
+                <a:cs typeface="Seravek Light" charset="0"/>
+              </a:rPr>
+              <a:t>CHOONG-WAN WOO  |  COCOAN lab  |  </a:t>
+            </a:r>
+            <a:r>
+              <a:rPr lang="en-US" altLang="ko-KR" sz="1100" dirty="0">
+                <a:latin typeface="Seravek Light" charset="0"/>
+                <a:ea typeface="Seravek Light" charset="0"/>
+                <a:cs typeface="Seravek Light" charset="0"/>
+                <a:hlinkClick r:id="rId6"/>
+              </a:rPr>
+              <a:t>http://cocoanlab.github.io</a:t>
+            </a:r>
+            <a:endParaRPr lang="en-US" altLang="ko-KR" sz="1100" dirty="0">
+              <a:latin typeface="Seravek Light" charset="0"/>
+              <a:ea typeface="Seravek Light" charset="0"/>
+              <a:cs typeface="Seravek Light" charset="0"/>
+            </a:endParaRPr>
+          </a:p>
+        </p:txBody>
+      </p:sp>
+      <p:sp>
+        <p:nvSpPr>
+          <p:cNvPr id="12" name="직사각형 11">
+            <a:extLst>
+              <a:ext uri="{FF2B5EF4-FFF2-40B4-BE49-F238E27FC236}">
+                <a16:creationId xmlns:a16="http://schemas.microsoft.com/office/drawing/2014/main" id="{2406E96F-FB56-6349-BEA5-C9C82DBD0C64}"/>
+              </a:ext>
+            </a:extLst>
+          </p:cNvPr>
+          <p:cNvSpPr/>
+          <p:nvPr/>
+        </p:nvSpPr>
+        <p:spPr>
+          <a:xfrm>
+            <a:off x="9894433" y="84109"/>
+            <a:ext cx="2301508" cy="276999"/>
+          </a:xfrm>
+          <a:prstGeom prst="rect">
+            <a:avLst/>
+          </a:prstGeom>
+        </p:spPr>
+        <p:txBody>
+          <a:bodyPr wrap="square">
+            <a:spAutoFit/>
+          </a:bodyPr>
+          <a:lstStyle/>
+          <a:p>
+            <a:pPr algn="r"/>
+            <a:r>
+              <a:rPr lang="en-US" altLang="ko-KR" sz="1200" dirty="0">
+                <a:latin typeface="Seravek Light" charset="0"/>
+                <a:ea typeface="Seravek Light" charset="0"/>
+                <a:cs typeface="Seravek Light" charset="0"/>
+              </a:rPr>
+              <a:t>Review</a:t>
+            </a:r>
+            <a:endParaRPr lang="ko-KR" altLang="en-US" sz="1200" dirty="0">
+              <a:latin typeface="Seravek Light" charset="0"/>
+              <a:ea typeface="Seravek Light" charset="0"/>
+              <a:cs typeface="Seravek Light" charset="0"/>
+            </a:endParaRPr>
+          </a:p>
+        </p:txBody>
+      </p:sp>
+      <p:pic>
+        <p:nvPicPr>
+          <p:cNvPr id="2" name="그림 1">
+            <a:extLst>
+              <a:ext uri="{FF2B5EF4-FFF2-40B4-BE49-F238E27FC236}">
+                <a16:creationId xmlns:a16="http://schemas.microsoft.com/office/drawing/2014/main" id="{9A58D6B8-A3E8-BE4A-3EB4-74D32C8361C7}"/>
+              </a:ext>
+            </a:extLst>
+          </p:cNvPr>
+          <p:cNvPicPr>
+            <a:picLocks noChangeAspect="1"/>
+          </p:cNvPicPr>
+          <p:nvPr/>
+        </p:nvPicPr>
+        <p:blipFill>
+          <a:blip r:embed="rId7"/>
+          <a:stretch>
+            <a:fillRect/>
+          </a:stretch>
+        </p:blipFill>
+        <p:spPr>
+          <a:xfrm>
+            <a:off x="2209800" y="1312716"/>
+            <a:ext cx="7772400" cy="4232567"/>
+          </a:xfrm>
+          <a:prstGeom prst="rect">
+            <a:avLst/>
+          </a:prstGeom>
+        </p:spPr>
+      </p:pic>
+    </p:spTree>
+    <p:extLst>
+      <p:ext uri="{BB962C8B-B14F-4D97-AF65-F5344CB8AC3E}">
+        <p14:creationId xmlns:p14="http://schemas.microsoft.com/office/powerpoint/2010/main" val="3222020373"/>
+      </p:ext>
+    </p:extLst>
+  </p:cSld>
+  <p:clrMapOvr>
+    <a:masterClrMapping/>
+  </p:clrMapOvr>
+  <mc:AlternateContent xmlns:mc="http://schemas.openxmlformats.org/markup-compatibility/2006">
+    <mc:Choice xmlns:p14="http://schemas.microsoft.com/office/powerpoint/2010/main" Requires="p14">
+      <p:transition spd="med" p14:dur="700">
+        <p:fade/>
+      </p:transition>
+    </mc:Choice>
+    <mc:Fallback>
       <p:transition spd="med">
         <p:fade/>
       </p:transition>
